--- a/slides/7-Heran�a_Conceitos.pptx
+++ b/slides/7-Heran�a_Conceitos.pptx
@@ -2137,26 +2137,26 @@
   </dgm:ptLst>
   <dgm:cxnLst>
     <dgm:cxn modelId="{76D80024-D317-4E64-862A-8194CAAC1536}" type="presOf" srcId="{694DC1D8-38F9-4B79-BA05-0719B09075AA}" destId="{A28218CD-7E0F-4223-9986-06456E7A34AA}" srcOrd="0" destOrd="0" presId="urn:microsoft.com/office/officeart/2005/8/layout/hierarchy6"/>
+    <dgm:cxn modelId="{1B080A70-F50F-4A85-8868-FE328250E69D}" type="presOf" srcId="{156917C9-F5FA-49FE-ADBC-8C26DFBBA894}" destId="{86C52A39-3E7F-45B2-8CCB-B09C3C5EF825}" srcOrd="0" destOrd="0" presId="urn:microsoft.com/office/officeart/2005/8/layout/hierarchy6"/>
+    <dgm:cxn modelId="{58921AE7-0805-457D-9644-A70281B53670}" type="presOf" srcId="{C2659EF7-DD40-47EF-87F6-015A1CA02BF6}" destId="{3C888E9E-DE84-4001-AB6B-CFBC7EA3A156}" srcOrd="0" destOrd="0" presId="urn:microsoft.com/office/officeart/2005/8/layout/hierarchy6"/>
+    <dgm:cxn modelId="{3DE79292-C5E9-4076-B1B2-45A2418BDACD}" type="presOf" srcId="{FC98084E-F654-4773-BC3A-06D29931182F}" destId="{7F70ACA6-DB14-4630-ADCF-EA52492CE278}" srcOrd="0" destOrd="0" presId="urn:microsoft.com/office/officeart/2005/8/layout/hierarchy6"/>
+    <dgm:cxn modelId="{D90A9E7D-6A7D-4650-A7FC-4CE68D96E978}" srcId="{7459F92D-FE43-49FE-8DB6-128EA7302198}" destId="{C2659EF7-DD40-47EF-87F6-015A1CA02BF6}" srcOrd="1" destOrd="0" parTransId="{890A562A-B424-4D2E-966B-02CEB058A97E}" sibTransId="{39897828-097D-4EC2-83D3-126728B48207}"/>
+    <dgm:cxn modelId="{CDF7102C-D599-455E-8E27-F15CF07E93FC}" type="presOf" srcId="{8FEB0A62-13A9-479D-A390-3E4B1F0B644E}" destId="{406BABC6-99CB-4F9F-BDB3-784CD7D5EFF2}" srcOrd="0" destOrd="0" presId="urn:microsoft.com/office/officeart/2005/8/layout/hierarchy6"/>
+    <dgm:cxn modelId="{27EBAC13-2C72-4AC0-9F56-0D8CB73D890A}" srcId="{156917C9-F5FA-49FE-ADBC-8C26DFBBA894}" destId="{61ADADFF-B88C-4B05-8F9B-931DD4910510}" srcOrd="0" destOrd="0" parTransId="{D2E9D906-3FD6-4724-B476-B0A58D0B48EE}" sibTransId="{A9B09EF0-DFAA-4215-8E8C-6AB494FBBA0A}"/>
+    <dgm:cxn modelId="{AB59F712-2747-4A88-AB76-0A0DD46FABEE}" srcId="{FC98084E-F654-4773-BC3A-06D29931182F}" destId="{7459F92D-FE43-49FE-8DB6-128EA7302198}" srcOrd="0" destOrd="0" parTransId="{672C7DA1-EB3A-4746-919D-D5F6ECEC6805}" sibTransId="{209EB6C6-0CF6-4897-8DCA-5B99349415B6}"/>
+    <dgm:cxn modelId="{795F082B-81B7-4232-85E5-3CFA31B0807F}" type="presOf" srcId="{61ADADFF-B88C-4B05-8F9B-931DD4910510}" destId="{6064AAE5-A62A-4608-B81A-56F4DB4F38BF}" srcOrd="0" destOrd="0" presId="urn:microsoft.com/office/officeart/2005/8/layout/hierarchy6"/>
+    <dgm:cxn modelId="{9AA760ED-6108-4E48-88AC-5C7FEB2D8E82}" type="presOf" srcId="{890A562A-B424-4D2E-966B-02CEB058A97E}" destId="{1EE081F3-62B7-4F5B-A036-F660541BC957}" srcOrd="0" destOrd="0" presId="urn:microsoft.com/office/officeart/2005/8/layout/hierarchy6"/>
+    <dgm:cxn modelId="{555E4C8A-6874-4973-9F2C-392E36FF1166}" type="presOf" srcId="{672C7DA1-EB3A-4746-919D-D5F6ECEC6805}" destId="{A3E86C9A-F06F-4296-888A-29AC24CE480D}" srcOrd="0" destOrd="0" presId="urn:microsoft.com/office/officeart/2005/8/layout/hierarchy6"/>
+    <dgm:cxn modelId="{538F4B98-5EF5-44D9-8305-63897A3AED39}" type="presOf" srcId="{7459F92D-FE43-49FE-8DB6-128EA7302198}" destId="{556D4F88-953F-407A-970E-DBAABC41AFD8}" srcOrd="0" destOrd="0" presId="urn:microsoft.com/office/officeart/2005/8/layout/hierarchy6"/>
+    <dgm:cxn modelId="{16EDD213-DE0F-4CDF-8BCA-79C619D2F76B}" type="presOf" srcId="{DBC8461A-6115-450F-BE10-56FC61485A51}" destId="{635D47A6-7705-4C08-B9AD-5C8D9AB031D0}" srcOrd="0" destOrd="0" presId="urn:microsoft.com/office/officeart/2005/8/layout/hierarchy6"/>
+    <dgm:cxn modelId="{8A55DDEC-50FB-4891-856E-B1FEE9ABE410}" srcId="{7459F92D-FE43-49FE-8DB6-128EA7302198}" destId="{DBC8461A-6115-450F-BE10-56FC61485A51}" srcOrd="0" destOrd="0" parTransId="{8FEB0A62-13A9-479D-A390-3E4B1F0B644E}" sibTransId="{3BBF6DD4-6BBC-4E97-927F-C6CE01802154}"/>
+    <dgm:cxn modelId="{E1222468-CF9D-4B31-BD0B-A7728634E656}" type="presOf" srcId="{2C8B2F39-B655-4D0B-87B8-97A007643E22}" destId="{C6437FAB-DDB5-406E-A7E8-08B3A65D4737}" srcOrd="0" destOrd="0" presId="urn:microsoft.com/office/officeart/2005/8/layout/hierarchy6"/>
     <dgm:cxn modelId="{1CDB81E9-349C-494F-A057-7AC7FEE7E75A}" srcId="{694DC1D8-38F9-4B79-BA05-0719B09075AA}" destId="{FC98084E-F654-4773-BC3A-06D29931182F}" srcOrd="0" destOrd="0" parTransId="{751A56DC-5D6E-415B-8F99-D4CEDD5EFE3C}" sibTransId="{5206490F-F296-47D1-9F9A-61F48E6A2D34}"/>
+    <dgm:cxn modelId="{53B26246-5164-4577-9038-75C62EEA5C28}" srcId="{156917C9-F5FA-49FE-ADBC-8C26DFBBA894}" destId="{2C8B2F39-B655-4D0B-87B8-97A007643E22}" srcOrd="1" destOrd="0" parTransId="{2FE45742-F1E8-409C-8EF9-2645D9014A29}" sibTransId="{260E7AC0-0EFD-4CB2-BCF2-A41659CB4DBC}"/>
+    <dgm:cxn modelId="{57B6F5FF-9D57-463A-A9EB-602AFB3BF55E}" type="presOf" srcId="{2FE45742-F1E8-409C-8EF9-2645D9014A29}" destId="{A6F501B6-3134-4193-AC29-7E28D823A751}" srcOrd="0" destOrd="0" presId="urn:microsoft.com/office/officeart/2005/8/layout/hierarchy6"/>
+    <dgm:cxn modelId="{5DA15E03-74AF-4306-890A-0AA0B3744DD7}" type="presOf" srcId="{5D728520-1808-43AD-9383-5859D8FACF6C}" destId="{7FC919CA-C3CD-4A55-AD93-657774FDD0CB}" srcOrd="0" destOrd="0" presId="urn:microsoft.com/office/officeart/2005/8/layout/hierarchy6"/>
+    <dgm:cxn modelId="{6B44EE66-E812-48A0-A710-151AE397DECB}" type="presOf" srcId="{D2E9D906-3FD6-4724-B476-B0A58D0B48EE}" destId="{5EB932F1-565E-436D-B80E-884706AAF9C7}" srcOrd="0" destOrd="0" presId="urn:microsoft.com/office/officeart/2005/8/layout/hierarchy6"/>
     <dgm:cxn modelId="{866A2217-62ED-412B-9876-B7DD1F42A122}" srcId="{FC98084E-F654-4773-BC3A-06D29931182F}" destId="{156917C9-F5FA-49FE-ADBC-8C26DFBBA894}" srcOrd="1" destOrd="0" parTransId="{5D728520-1808-43AD-9383-5859D8FACF6C}" sibTransId="{867C1445-B811-43CD-A532-50CC40A8B38B}"/>
-    <dgm:cxn modelId="{8A55DDEC-50FB-4891-856E-B1FEE9ABE410}" srcId="{7459F92D-FE43-49FE-8DB6-128EA7302198}" destId="{DBC8461A-6115-450F-BE10-56FC61485A51}" srcOrd="0" destOrd="0" parTransId="{8FEB0A62-13A9-479D-A390-3E4B1F0B644E}" sibTransId="{3BBF6DD4-6BBC-4E97-927F-C6CE01802154}"/>
-    <dgm:cxn modelId="{9AA760ED-6108-4E48-88AC-5C7FEB2D8E82}" type="presOf" srcId="{890A562A-B424-4D2E-966B-02CEB058A97E}" destId="{1EE081F3-62B7-4F5B-A036-F660541BC957}" srcOrd="0" destOrd="0" presId="urn:microsoft.com/office/officeart/2005/8/layout/hierarchy6"/>
-    <dgm:cxn modelId="{D90A9E7D-6A7D-4650-A7FC-4CE68D96E978}" srcId="{7459F92D-FE43-49FE-8DB6-128EA7302198}" destId="{C2659EF7-DD40-47EF-87F6-015A1CA02BF6}" srcOrd="1" destOrd="0" parTransId="{890A562A-B424-4D2E-966B-02CEB058A97E}" sibTransId="{39897828-097D-4EC2-83D3-126728B48207}"/>
-    <dgm:cxn modelId="{3DE79292-C5E9-4076-B1B2-45A2418BDACD}" type="presOf" srcId="{FC98084E-F654-4773-BC3A-06D29931182F}" destId="{7F70ACA6-DB14-4630-ADCF-EA52492CE278}" srcOrd="0" destOrd="0" presId="urn:microsoft.com/office/officeart/2005/8/layout/hierarchy6"/>
-    <dgm:cxn modelId="{795F082B-81B7-4232-85E5-3CFA31B0807F}" type="presOf" srcId="{61ADADFF-B88C-4B05-8F9B-931DD4910510}" destId="{6064AAE5-A62A-4608-B81A-56F4DB4F38BF}" srcOrd="0" destOrd="0" presId="urn:microsoft.com/office/officeart/2005/8/layout/hierarchy6"/>
-    <dgm:cxn modelId="{16EDD213-DE0F-4CDF-8BCA-79C619D2F76B}" type="presOf" srcId="{DBC8461A-6115-450F-BE10-56FC61485A51}" destId="{635D47A6-7705-4C08-B9AD-5C8D9AB031D0}" srcOrd="0" destOrd="0" presId="urn:microsoft.com/office/officeart/2005/8/layout/hierarchy6"/>
-    <dgm:cxn modelId="{CDF7102C-D599-455E-8E27-F15CF07E93FC}" type="presOf" srcId="{8FEB0A62-13A9-479D-A390-3E4B1F0B644E}" destId="{406BABC6-99CB-4F9F-BDB3-784CD7D5EFF2}" srcOrd="0" destOrd="0" presId="urn:microsoft.com/office/officeart/2005/8/layout/hierarchy6"/>
-    <dgm:cxn modelId="{53B26246-5164-4577-9038-75C62EEA5C28}" srcId="{156917C9-F5FA-49FE-ADBC-8C26DFBBA894}" destId="{2C8B2F39-B655-4D0B-87B8-97A007643E22}" srcOrd="1" destOrd="0" parTransId="{2FE45742-F1E8-409C-8EF9-2645D9014A29}" sibTransId="{260E7AC0-0EFD-4CB2-BCF2-A41659CB4DBC}"/>
-    <dgm:cxn modelId="{1B080A70-F50F-4A85-8868-FE328250E69D}" type="presOf" srcId="{156917C9-F5FA-49FE-ADBC-8C26DFBBA894}" destId="{86C52A39-3E7F-45B2-8CCB-B09C3C5EF825}" srcOrd="0" destOrd="0" presId="urn:microsoft.com/office/officeart/2005/8/layout/hierarchy6"/>
-    <dgm:cxn modelId="{5DA15E03-74AF-4306-890A-0AA0B3744DD7}" type="presOf" srcId="{5D728520-1808-43AD-9383-5859D8FACF6C}" destId="{7FC919CA-C3CD-4A55-AD93-657774FDD0CB}" srcOrd="0" destOrd="0" presId="urn:microsoft.com/office/officeart/2005/8/layout/hierarchy6"/>
-    <dgm:cxn modelId="{538F4B98-5EF5-44D9-8305-63897A3AED39}" type="presOf" srcId="{7459F92D-FE43-49FE-8DB6-128EA7302198}" destId="{556D4F88-953F-407A-970E-DBAABC41AFD8}" srcOrd="0" destOrd="0" presId="urn:microsoft.com/office/officeart/2005/8/layout/hierarchy6"/>
-    <dgm:cxn modelId="{58921AE7-0805-457D-9644-A70281B53670}" type="presOf" srcId="{C2659EF7-DD40-47EF-87F6-015A1CA02BF6}" destId="{3C888E9E-DE84-4001-AB6B-CFBC7EA3A156}" srcOrd="0" destOrd="0" presId="urn:microsoft.com/office/officeart/2005/8/layout/hierarchy6"/>
-    <dgm:cxn modelId="{555E4C8A-6874-4973-9F2C-392E36FF1166}" type="presOf" srcId="{672C7DA1-EB3A-4746-919D-D5F6ECEC6805}" destId="{A3E86C9A-F06F-4296-888A-29AC24CE480D}" srcOrd="0" destOrd="0" presId="urn:microsoft.com/office/officeart/2005/8/layout/hierarchy6"/>
-    <dgm:cxn modelId="{AB59F712-2747-4A88-AB76-0A0DD46FABEE}" srcId="{FC98084E-F654-4773-BC3A-06D29931182F}" destId="{7459F92D-FE43-49FE-8DB6-128EA7302198}" srcOrd="0" destOrd="0" parTransId="{672C7DA1-EB3A-4746-919D-D5F6ECEC6805}" sibTransId="{209EB6C6-0CF6-4897-8DCA-5B99349415B6}"/>
-    <dgm:cxn modelId="{57B6F5FF-9D57-463A-A9EB-602AFB3BF55E}" type="presOf" srcId="{2FE45742-F1E8-409C-8EF9-2645D9014A29}" destId="{A6F501B6-3134-4193-AC29-7E28D823A751}" srcOrd="0" destOrd="0" presId="urn:microsoft.com/office/officeart/2005/8/layout/hierarchy6"/>
-    <dgm:cxn modelId="{6B44EE66-E812-48A0-A710-151AE397DECB}" type="presOf" srcId="{D2E9D906-3FD6-4724-B476-B0A58D0B48EE}" destId="{5EB932F1-565E-436D-B80E-884706AAF9C7}" srcOrd="0" destOrd="0" presId="urn:microsoft.com/office/officeart/2005/8/layout/hierarchy6"/>
-    <dgm:cxn modelId="{E1222468-CF9D-4B31-BD0B-A7728634E656}" type="presOf" srcId="{2C8B2F39-B655-4D0B-87B8-97A007643E22}" destId="{C6437FAB-DDB5-406E-A7E8-08B3A65D4737}" srcOrd="0" destOrd="0" presId="urn:microsoft.com/office/officeart/2005/8/layout/hierarchy6"/>
-    <dgm:cxn modelId="{27EBAC13-2C72-4AC0-9F56-0D8CB73D890A}" srcId="{156917C9-F5FA-49FE-ADBC-8C26DFBBA894}" destId="{61ADADFF-B88C-4B05-8F9B-931DD4910510}" srcOrd="0" destOrd="0" parTransId="{D2E9D906-3FD6-4724-B476-B0A58D0B48EE}" sibTransId="{A9B09EF0-DFAA-4215-8E8C-6AB494FBBA0A}"/>
     <dgm:cxn modelId="{43D83083-ED92-4867-91B3-FDDA00F60468}" type="presParOf" srcId="{A28218CD-7E0F-4223-9986-06456E7A34AA}" destId="{AE20C5DB-8A9F-44C5-8841-4171AC3C9661}" srcOrd="0" destOrd="0" presId="urn:microsoft.com/office/officeart/2005/8/layout/hierarchy6"/>
     <dgm:cxn modelId="{39878125-44AB-4F1E-997B-B784FB8D5570}" type="presParOf" srcId="{AE20C5DB-8A9F-44C5-8841-4171AC3C9661}" destId="{659B4899-38D9-414C-B09A-844084932B1D}" srcOrd="0" destOrd="0" presId="urn:microsoft.com/office/officeart/2005/8/layout/hierarchy6"/>
     <dgm:cxn modelId="{08FC990A-AFF3-4366-BEFA-665E031C24A5}" type="presParOf" srcId="{659B4899-38D9-414C-B09A-844084932B1D}" destId="{8EBA31F5-19B8-4D32-9185-38167E2F1022}" srcOrd="0" destOrd="0" presId="urn:microsoft.com/office/officeart/2005/8/layout/hierarchy6"/>
@@ -2192,7 +2192,7 @@
   <dgm:whole/>
   <dgm:extLst>
     <a:ext uri="http://schemas.microsoft.com/office/drawing/2008/diagram">
-      <dsp:dataModelExt xmlns:dsp="http://schemas.microsoft.com/office/drawing/2008/diagram" xmlns="" relId="rId6" minVer="http://schemas.openxmlformats.org/drawingml/2006/diagram"/>
+      <dsp:dataModelExt xmlns:dsp="http://schemas.microsoft.com/office/drawing/2008/diagram" relId="rId6" minVer="http://schemas.openxmlformats.org/drawingml/2006/diagram"/>
     </a:ext>
   </dgm:extLst>
 </dgm:dataModel>
@@ -2628,21 +2628,21 @@
     </dgm:pt>
   </dgm:ptLst>
   <dgm:cxnLst>
+    <dgm:cxn modelId="{5AFE0E78-332D-4592-80E2-A04318F61579}" type="presOf" srcId="{09DBEA64-BC69-49A7-9135-D15C4FF139CE}" destId="{B9F4C1F6-28E9-4C26-8ABF-0820C86DC9F9}" srcOrd="0" destOrd="0" presId="urn:microsoft.com/office/officeart/2005/8/layout/hierarchy6"/>
+    <dgm:cxn modelId="{7705B5E1-6471-4266-A009-E3E06CBC6694}" type="presOf" srcId="{561CE1AD-6F47-4E2E-AAEF-1B346CB91411}" destId="{7085D0C1-47E1-4C7A-AD65-5195E7ADB4F9}" srcOrd="0" destOrd="0" presId="urn:microsoft.com/office/officeart/2005/8/layout/hierarchy6"/>
+    <dgm:cxn modelId="{6DA40266-9E91-4B0B-8E87-65CBDC8B8B36}" type="presOf" srcId="{2C1BA859-1C27-4581-BAC0-7ED9456586F8}" destId="{81CC10A0-627C-4569-B0D8-E5D5D7BDD960}" srcOrd="0" destOrd="0" presId="urn:microsoft.com/office/officeart/2005/8/layout/hierarchy6"/>
+    <dgm:cxn modelId="{28BBCA20-6F07-4B6F-B731-BAABD65095CD}" type="presOf" srcId="{E6B1CE91-6D1C-47BA-91AD-C297A859A84F}" destId="{E8E02ACD-EFD5-404B-918E-99BE3E2C7DCA}" srcOrd="0" destOrd="0" presId="urn:microsoft.com/office/officeart/2005/8/layout/hierarchy6"/>
     <dgm:cxn modelId="{181CF851-8318-4D25-8B53-A1AFB59C4C7E}" srcId="{74C32DD4-EB77-428C-A25B-A6C6CBC820D8}" destId="{63D6F4B7-EFB2-4C55-9EB2-57514CE1DB0F}" srcOrd="1" destOrd="0" parTransId="{2D5182A0-F63D-4F19-8A17-4E5D413F1EEF}" sibTransId="{C8E13529-2E64-4FAA-94EA-1CD65A55EB00}"/>
+    <dgm:cxn modelId="{DE536B03-1445-413E-878A-3393ED6BCD36}" srcId="{E6B1CE91-6D1C-47BA-91AD-C297A859A84F}" destId="{74C32DD4-EB77-428C-A25B-A6C6CBC820D8}" srcOrd="0" destOrd="0" parTransId="{2C1BA859-1C27-4581-BAC0-7ED9456586F8}" sibTransId="{95348032-919F-4777-9840-B3BB511E73AF}"/>
+    <dgm:cxn modelId="{CBDECC05-4E8C-4D54-9256-295B71C2BC22}" type="presOf" srcId="{D9FED8BF-37F0-4208-B77C-3E1808A46A7D}" destId="{68CABDD0-768D-4896-9F45-87635FD2E55C}" srcOrd="0" destOrd="0" presId="urn:microsoft.com/office/officeart/2005/8/layout/hierarchy6"/>
+    <dgm:cxn modelId="{44012F39-B0AE-4FFD-BA5F-2F61391726FA}" srcId="{74C32DD4-EB77-428C-A25B-A6C6CBC820D8}" destId="{D9FED8BF-37F0-4208-B77C-3E1808A46A7D}" srcOrd="0" destOrd="0" parTransId="{561CE1AD-6F47-4E2E-AAEF-1B346CB91411}" sibTransId="{E17DE8B4-EC65-42FE-AC7E-A6E27BCFE8F8}"/>
     <dgm:cxn modelId="{42862917-BDF5-402B-BC25-19DF365EC448}" type="presOf" srcId="{6BB1C1FE-FF8C-44B6-9143-2168B6F0FE3E}" destId="{49668158-ABDB-4D57-9D72-D2293E6CDDA9}" srcOrd="0" destOrd="0" presId="urn:microsoft.com/office/officeart/2005/8/layout/hierarchy6"/>
+    <dgm:cxn modelId="{5B4461D6-8348-41A3-8F52-D8067626CDD5}" srcId="{E2E92FC2-E3EC-4612-A296-48D7132032B8}" destId="{E6B1CE91-6D1C-47BA-91AD-C297A859A84F}" srcOrd="0" destOrd="0" parTransId="{E6811045-330D-400D-9C13-0EAE249BE2E0}" sibTransId="{19001941-97F6-4623-849E-D21130A0E995}"/>
+    <dgm:cxn modelId="{6C9DA353-54D1-414B-A7AB-420870D5D1AF}" type="presOf" srcId="{2D5182A0-F63D-4F19-8A17-4E5D413F1EEF}" destId="{72459490-CDAE-4A51-B97C-33C495374F3C}" srcOrd="0" destOrd="0" presId="urn:microsoft.com/office/officeart/2005/8/layout/hierarchy6"/>
+    <dgm:cxn modelId="{F163508C-914B-411A-8346-7F4B676132A8}" type="presOf" srcId="{74C32DD4-EB77-428C-A25B-A6C6CBC820D8}" destId="{E0549F64-A4DE-4312-8E99-B63D6353DD01}" srcOrd="0" destOrd="0" presId="urn:microsoft.com/office/officeart/2005/8/layout/hierarchy6"/>
+    <dgm:cxn modelId="{BC4155F9-0761-4137-8F77-452B71670F4E}" type="presOf" srcId="{63D6F4B7-EFB2-4C55-9EB2-57514CE1DB0F}" destId="{8F4C5A94-52F6-4423-AA37-2E404C05615B}" srcOrd="0" destOrd="0" presId="urn:microsoft.com/office/officeart/2005/8/layout/hierarchy6"/>
     <dgm:cxn modelId="{005CD002-4F26-4D10-8F13-A129A549FB29}" type="presOf" srcId="{E2E92FC2-E3EC-4612-A296-48D7132032B8}" destId="{E4924127-6B2D-4A85-AAB7-AE8B122257FB}" srcOrd="0" destOrd="0" presId="urn:microsoft.com/office/officeart/2005/8/layout/hierarchy6"/>
-    <dgm:cxn modelId="{5B4461D6-8348-41A3-8F52-D8067626CDD5}" srcId="{E2E92FC2-E3EC-4612-A296-48D7132032B8}" destId="{E6B1CE91-6D1C-47BA-91AD-C297A859A84F}" srcOrd="0" destOrd="0" parTransId="{E6811045-330D-400D-9C13-0EAE249BE2E0}" sibTransId="{19001941-97F6-4623-849E-D21130A0E995}"/>
-    <dgm:cxn modelId="{DE536B03-1445-413E-878A-3393ED6BCD36}" srcId="{E6B1CE91-6D1C-47BA-91AD-C297A859A84F}" destId="{74C32DD4-EB77-428C-A25B-A6C6CBC820D8}" srcOrd="0" destOrd="0" parTransId="{2C1BA859-1C27-4581-BAC0-7ED9456586F8}" sibTransId="{95348032-919F-4777-9840-B3BB511E73AF}"/>
-    <dgm:cxn modelId="{7705B5E1-6471-4266-A009-E3E06CBC6694}" type="presOf" srcId="{561CE1AD-6F47-4E2E-AAEF-1B346CB91411}" destId="{7085D0C1-47E1-4C7A-AD65-5195E7ADB4F9}" srcOrd="0" destOrd="0" presId="urn:microsoft.com/office/officeart/2005/8/layout/hierarchy6"/>
-    <dgm:cxn modelId="{F163508C-914B-411A-8346-7F4B676132A8}" type="presOf" srcId="{74C32DD4-EB77-428C-A25B-A6C6CBC820D8}" destId="{E0549F64-A4DE-4312-8E99-B63D6353DD01}" srcOrd="0" destOrd="0" presId="urn:microsoft.com/office/officeart/2005/8/layout/hierarchy6"/>
     <dgm:cxn modelId="{8ABA7725-B545-4380-841A-E7926873921D}" srcId="{74C32DD4-EB77-428C-A25B-A6C6CBC820D8}" destId="{09DBEA64-BC69-49A7-9135-D15C4FF139CE}" srcOrd="2" destOrd="0" parTransId="{6BB1C1FE-FF8C-44B6-9143-2168B6F0FE3E}" sibTransId="{7ADBF825-5C70-4A42-B17C-0F157E3A6915}"/>
-    <dgm:cxn modelId="{6DA40266-9E91-4B0B-8E87-65CBDC8B8B36}" type="presOf" srcId="{2C1BA859-1C27-4581-BAC0-7ED9456586F8}" destId="{81CC10A0-627C-4569-B0D8-E5D5D7BDD960}" srcOrd="0" destOrd="0" presId="urn:microsoft.com/office/officeart/2005/8/layout/hierarchy6"/>
-    <dgm:cxn modelId="{CBDECC05-4E8C-4D54-9256-295B71C2BC22}" type="presOf" srcId="{D9FED8BF-37F0-4208-B77C-3E1808A46A7D}" destId="{68CABDD0-768D-4896-9F45-87635FD2E55C}" srcOrd="0" destOrd="0" presId="urn:microsoft.com/office/officeart/2005/8/layout/hierarchy6"/>
-    <dgm:cxn modelId="{BC4155F9-0761-4137-8F77-452B71670F4E}" type="presOf" srcId="{63D6F4B7-EFB2-4C55-9EB2-57514CE1DB0F}" destId="{8F4C5A94-52F6-4423-AA37-2E404C05615B}" srcOrd="0" destOrd="0" presId="urn:microsoft.com/office/officeart/2005/8/layout/hierarchy6"/>
-    <dgm:cxn modelId="{28BBCA20-6F07-4B6F-B731-BAABD65095CD}" type="presOf" srcId="{E6B1CE91-6D1C-47BA-91AD-C297A859A84F}" destId="{E8E02ACD-EFD5-404B-918E-99BE3E2C7DCA}" srcOrd="0" destOrd="0" presId="urn:microsoft.com/office/officeart/2005/8/layout/hierarchy6"/>
-    <dgm:cxn modelId="{44012F39-B0AE-4FFD-BA5F-2F61391726FA}" srcId="{74C32DD4-EB77-428C-A25B-A6C6CBC820D8}" destId="{D9FED8BF-37F0-4208-B77C-3E1808A46A7D}" srcOrd="0" destOrd="0" parTransId="{561CE1AD-6F47-4E2E-AAEF-1B346CB91411}" sibTransId="{E17DE8B4-EC65-42FE-AC7E-A6E27BCFE8F8}"/>
-    <dgm:cxn modelId="{6C9DA353-54D1-414B-A7AB-420870D5D1AF}" type="presOf" srcId="{2D5182A0-F63D-4F19-8A17-4E5D413F1EEF}" destId="{72459490-CDAE-4A51-B97C-33C495374F3C}" srcOrd="0" destOrd="0" presId="urn:microsoft.com/office/officeart/2005/8/layout/hierarchy6"/>
-    <dgm:cxn modelId="{5AFE0E78-332D-4592-80E2-A04318F61579}" type="presOf" srcId="{09DBEA64-BC69-49A7-9135-D15C4FF139CE}" destId="{B9F4C1F6-28E9-4C26-8ABF-0820C86DC9F9}" srcOrd="0" destOrd="0" presId="urn:microsoft.com/office/officeart/2005/8/layout/hierarchy6"/>
     <dgm:cxn modelId="{F28CEAB6-0DA6-4FFF-9D7C-5E5AD1238877}" type="presParOf" srcId="{E4924127-6B2D-4A85-AAB7-AE8B122257FB}" destId="{0465D55B-AA28-4826-884C-5F060F0A26E1}" srcOrd="0" destOrd="0" presId="urn:microsoft.com/office/officeart/2005/8/layout/hierarchy6"/>
     <dgm:cxn modelId="{CBCF7592-80A0-4AE8-AD0E-58D8263AAA3D}" type="presParOf" srcId="{0465D55B-AA28-4826-884C-5F060F0A26E1}" destId="{135573F4-3B7B-47B8-97FA-1369D6BCE940}" srcOrd="0" destOrd="0" presId="urn:microsoft.com/office/officeart/2005/8/layout/hierarchy6"/>
     <dgm:cxn modelId="{4B2E564C-644C-4237-A2A7-A154BB41A840}" type="presParOf" srcId="{135573F4-3B7B-47B8-97FA-1369D6BCE940}" destId="{8E21008E-2E3F-4B6C-A1D8-1B8919782B05}" srcOrd="0" destOrd="0" presId="urn:microsoft.com/office/officeart/2005/8/layout/hierarchy6"/>
@@ -2670,14 +2670,14 @@
   <dgm:whole/>
   <dgm:extLst>
     <a:ext uri="http://schemas.microsoft.com/office/drawing/2008/diagram">
-      <dsp:dataModelExt xmlns:dsp="http://schemas.microsoft.com/office/drawing/2008/diagram" xmlns="" relId="rId6" minVer="http://schemas.openxmlformats.org/drawingml/2006/diagram"/>
+      <dsp:dataModelExt xmlns:dsp="http://schemas.microsoft.com/office/drawing/2008/diagram" relId="rId6" minVer="http://schemas.openxmlformats.org/drawingml/2006/diagram"/>
     </a:ext>
   </dgm:extLst>
 </dgm:dataModel>
 </file>
 
 <file path=ppt/diagrams/drawing1.xml><?xml version="1.0" encoding="utf-8"?>
-<dsp:drawing xmlns:dgm="http://schemas.openxmlformats.org/drawingml/2006/diagram" xmlns:a="http://schemas.openxmlformats.org/drawingml/2006/main" xmlns:dsp="http://schemas.microsoft.com/office/drawing/2008/diagram">
+<dsp:drawing xmlns:dgm="http://schemas.openxmlformats.org/drawingml/2006/diagram" xmlns:dsp="http://schemas.microsoft.com/office/drawing/2008/diagram" xmlns:a="http://schemas.openxmlformats.org/drawingml/2006/main">
   <dsp:spTree>
     <dsp:nvGrpSpPr>
       <dsp:cNvPr id="0" name=""/>
@@ -2759,8 +2759,8 @@
         </a:p>
       </dsp:txBody>
       <dsp:txXfrm>
-        <a:off x="3114586" y="68345"/>
-        <a:ext cx="1595019" cy="1063346"/>
+        <a:off x="3145730" y="99489"/>
+        <a:ext cx="1532731" cy="1001058"/>
       </dsp:txXfrm>
     </dsp:sp>
     <dsp:sp modelId="{A3E86C9A-F06F-4296-888A-29AC24CE480D}">
@@ -2899,8 +2899,8 @@
         </a:p>
       </dsp:txBody>
       <dsp:txXfrm>
-        <a:off x="1041060" y="1557030"/>
-        <a:ext cx="1595019" cy="1063346"/>
+        <a:off x="1072204" y="1588174"/>
+        <a:ext cx="1532731" cy="1001058"/>
       </dsp:txXfrm>
     </dsp:sp>
     <dsp:sp modelId="{406BABC6-99CB-4F9F-BDB3-784CD7D5EFF2}">
@@ -3039,8 +3039,8 @@
         </a:p>
       </dsp:txBody>
       <dsp:txXfrm>
-        <a:off x="4297" y="3045715"/>
-        <a:ext cx="1595019" cy="1063346"/>
+        <a:off x="35441" y="3076859"/>
+        <a:ext cx="1532731" cy="1001058"/>
       </dsp:txXfrm>
     </dsp:sp>
     <dsp:sp modelId="{1EE081F3-62B7-4F5B-A036-F660541BC957}">
@@ -3179,8 +3179,8 @@
         </a:p>
       </dsp:txBody>
       <dsp:txXfrm>
-        <a:off x="2077823" y="3045715"/>
-        <a:ext cx="1595019" cy="1063346"/>
+        <a:off x="2108967" y="3076859"/>
+        <a:ext cx="1532731" cy="1001058"/>
       </dsp:txXfrm>
     </dsp:sp>
     <dsp:sp modelId="{7FC919CA-C3CD-4A55-AD93-657774FDD0CB}">
@@ -3319,8 +3319,8 @@
         </a:p>
       </dsp:txBody>
       <dsp:txXfrm>
-        <a:off x="5188111" y="1557030"/>
-        <a:ext cx="1595019" cy="1063346"/>
+        <a:off x="5219255" y="1588174"/>
+        <a:ext cx="1532731" cy="1001058"/>
       </dsp:txXfrm>
     </dsp:sp>
     <dsp:sp modelId="{5EB932F1-565E-436D-B80E-884706AAF9C7}">
@@ -3459,8 +3459,8 @@
         </a:p>
       </dsp:txBody>
       <dsp:txXfrm>
-        <a:off x="4151348" y="3045715"/>
-        <a:ext cx="1595019" cy="1063346"/>
+        <a:off x="4182492" y="3076859"/>
+        <a:ext cx="1532731" cy="1001058"/>
       </dsp:txXfrm>
     </dsp:sp>
     <dsp:sp modelId="{A6F501B6-3134-4193-AC29-7E28D823A751}">
@@ -3599,8 +3599,8 @@
         </a:p>
       </dsp:txBody>
       <dsp:txXfrm>
-        <a:off x="6224874" y="3045715"/>
-        <a:ext cx="1595019" cy="1063346"/>
+        <a:off x="6256018" y="3076859"/>
+        <a:ext cx="1532731" cy="1001058"/>
       </dsp:txXfrm>
     </dsp:sp>
   </dsp:spTree>
@@ -3608,7 +3608,7 @@
 </file>
 
 <file path=ppt/diagrams/drawing2.xml><?xml version="1.0" encoding="utf-8"?>
-<dsp:drawing xmlns:dgm="http://schemas.openxmlformats.org/drawingml/2006/diagram" xmlns:a="http://schemas.openxmlformats.org/drawingml/2006/main" xmlns:dsp="http://schemas.microsoft.com/office/drawing/2008/diagram">
+<dsp:drawing xmlns:dgm="http://schemas.openxmlformats.org/drawingml/2006/diagram" xmlns:dsp="http://schemas.microsoft.com/office/drawing/2008/diagram" xmlns:a="http://schemas.openxmlformats.org/drawingml/2006/main">
   <dsp:spTree>
     <dsp:nvGrpSpPr>
       <dsp:cNvPr id="0" name=""/>
@@ -3690,8 +3690,8 @@
         </a:p>
       </dsp:txBody>
       <dsp:txXfrm>
-        <a:off x="2660555" y="86944"/>
-        <a:ext cx="1717498" cy="1144999"/>
+        <a:off x="2694091" y="120480"/>
+        <a:ext cx="1650426" cy="1077927"/>
       </dsp:txXfrm>
     </dsp:sp>
     <dsp:sp modelId="{81CC10A0-627C-4569-B0D8-E5D5D7BDD960}">
@@ -3853,8 +3853,8 @@
         </a:p>
       </dsp:txBody>
       <dsp:txXfrm>
-        <a:off x="2660555" y="1689943"/>
-        <a:ext cx="1717498" cy="1144999"/>
+        <a:off x="2694091" y="1723479"/>
+        <a:ext cx="1650426" cy="1077927"/>
       </dsp:txXfrm>
     </dsp:sp>
     <dsp:sp modelId="{7085D0C1-47E1-4C7A-AD65-5195E7ADB4F9}">
@@ -4024,8 +4024,8 @@
         </a:p>
       </dsp:txBody>
       <dsp:txXfrm>
-        <a:off x="802788" y="3379882"/>
-        <a:ext cx="1717498" cy="1144999"/>
+        <a:off x="836324" y="3413418"/>
+        <a:ext cx="1650426" cy="1077927"/>
       </dsp:txXfrm>
     </dsp:sp>
     <dsp:sp modelId="{72459490-CDAE-4A51-B97C-33C495374F3C}">
@@ -4198,8 +4198,8 @@
         </a:p>
       </dsp:txBody>
       <dsp:txXfrm>
-        <a:off x="2664316" y="3379882"/>
-        <a:ext cx="1717498" cy="1144999"/>
+        <a:off x="2697852" y="3413418"/>
+        <a:ext cx="1650426" cy="1077927"/>
       </dsp:txXfrm>
     </dsp:sp>
     <dsp:sp modelId="{49668158-ABDB-4D57-9D72-D2293E6CDDA9}">
@@ -4372,8 +4372,8 @@
         </a:p>
       </dsp:txBody>
       <dsp:txXfrm>
-        <a:off x="4475173" y="3379882"/>
-        <a:ext cx="1717498" cy="1144999"/>
+        <a:off x="4508709" y="3413418"/>
+        <a:ext cx="1650426" cy="1077927"/>
       </dsp:txXfrm>
     </dsp:sp>
   </dsp:spTree>
@@ -7553,7 +7553,7 @@
             <a:fld id="{63EE0429-3A54-4FCE-9BEC-4E6874F5DDA5}" type="datetimeFigureOut">
               <a:rPr lang="pt-BR" smtClean="0"/>
               <a:pPr/>
-              <a:t>21/01/2012</a:t>
+              <a:t>10/02/2012</a:t>
             </a:fld>
             <a:endParaRPr lang="pt-BR"/>
           </a:p>
@@ -7722,7 +7722,7 @@
     </p:spTree>
     <p:extLst>
       <p:ext uri="{BB962C8B-B14F-4D97-AF65-F5344CB8AC3E}">
-        <p14:creationId xmlns="" xmlns:p14="http://schemas.microsoft.com/office/powerpoint/2010/main" val="594373875"/>
+        <p14:creationId xmlns:p14="http://schemas.microsoft.com/office/powerpoint/2010/main" val="594373875"/>
       </p:ext>
     </p:extLst>
   </p:cSld>
@@ -7901,7 +7901,7 @@
     </p:spTree>
     <p:extLst>
       <p:ext uri="{BB962C8B-B14F-4D97-AF65-F5344CB8AC3E}">
-        <p14:creationId xmlns="" xmlns:p14="http://schemas.microsoft.com/office/powerpoint/2010/main" val="3805640522"/>
+        <p14:creationId xmlns:p14="http://schemas.microsoft.com/office/powerpoint/2010/main" val="3805640522"/>
       </p:ext>
     </p:extLst>
   </p:cSld>
@@ -8102,7 +8102,7 @@
             <a:fld id="{C1675C04-B1D7-4314-A174-D1660FB6FF37}" type="datetimeFigureOut">
               <a:rPr lang="pt-BR" smtClean="0"/>
               <a:pPr/>
-              <a:t>21/01/2012</a:t>
+              <a:t>10/02/2012</a:t>
             </a:fld>
             <a:endParaRPr lang="pt-BR"/>
           </a:p>
@@ -8154,7 +8154,7 @@
     </p:spTree>
     <p:extLst>
       <p:ext uri="{BB962C8B-B14F-4D97-AF65-F5344CB8AC3E}">
-        <p14:creationId xmlns="" xmlns:p14="http://schemas.microsoft.com/office/powerpoint/2010/main" val="3819067513"/>
+        <p14:creationId xmlns:p14="http://schemas.microsoft.com/office/powerpoint/2010/main" val="3819067513"/>
       </p:ext>
     </p:extLst>
   </p:cSld>
@@ -8326,7 +8326,7 @@
             <a:fld id="{C1675C04-B1D7-4314-A174-D1660FB6FF37}" type="datetimeFigureOut">
               <a:rPr lang="pt-BR" smtClean="0"/>
               <a:pPr/>
-              <a:t>21/01/2012</a:t>
+              <a:t>10/02/2012</a:t>
             </a:fld>
             <a:endParaRPr lang="pt-BR"/>
           </a:p>
@@ -8378,7 +8378,7 @@
     </p:spTree>
     <p:extLst>
       <p:ext uri="{BB962C8B-B14F-4D97-AF65-F5344CB8AC3E}">
-        <p14:creationId xmlns="" xmlns:p14="http://schemas.microsoft.com/office/powerpoint/2010/main" val="4293683188"/>
+        <p14:creationId xmlns:p14="http://schemas.microsoft.com/office/powerpoint/2010/main" val="4293683188"/>
       </p:ext>
     </p:extLst>
   </p:cSld>
@@ -8560,7 +8560,7 @@
             <a:fld id="{C1675C04-B1D7-4314-A174-D1660FB6FF37}" type="datetimeFigureOut">
               <a:rPr lang="pt-BR" smtClean="0"/>
               <a:pPr/>
-              <a:t>21/01/2012</a:t>
+              <a:t>10/02/2012</a:t>
             </a:fld>
             <a:endParaRPr lang="pt-BR"/>
           </a:p>
@@ -8612,7 +8612,7 @@
     </p:spTree>
     <p:extLst>
       <p:ext uri="{BB962C8B-B14F-4D97-AF65-F5344CB8AC3E}">
-        <p14:creationId xmlns="" xmlns:p14="http://schemas.microsoft.com/office/powerpoint/2010/main" val="932540526"/>
+        <p14:creationId xmlns:p14="http://schemas.microsoft.com/office/powerpoint/2010/main" val="932540526"/>
       </p:ext>
     </p:extLst>
   </p:cSld>
@@ -8881,7 +8881,7 @@
     </p:spTree>
     <p:extLst>
       <p:ext uri="{BB962C8B-B14F-4D97-AF65-F5344CB8AC3E}">
-        <p14:creationId xmlns="" xmlns:p14="http://schemas.microsoft.com/office/powerpoint/2010/main" val="45777805"/>
+        <p14:creationId xmlns:p14="http://schemas.microsoft.com/office/powerpoint/2010/main" val="45777805"/>
       </p:ext>
     </p:extLst>
   </p:cSld>
@@ -8921,7 +8921,7 @@
           <a:blip r:embed="rId2" cstate="print">
             <a:extLst>
               <a:ext uri="{BEBA8EAE-BF5A-486C-A8C5-ECC9F3942E4B}">
-                <a14:imgProps xmlns="" xmlns:a14="http://schemas.microsoft.com/office/drawing/2010/main">
+                <a14:imgProps xmlns:a14="http://schemas.microsoft.com/office/drawing/2010/main">
                   <a14:imgLayer r:embed="rId3">
                     <a14:imgEffect>
                       <a14:artisticBlur/>
@@ -8930,7 +8930,7 @@
                 </a14:imgProps>
               </a:ext>
               <a:ext uri="{28A0092B-C50C-407E-A947-70E740481C1C}">
-                <a14:useLocalDpi xmlns="" xmlns:a14="http://schemas.microsoft.com/office/drawing/2010/main" val="0"/>
+                <a14:useLocalDpi xmlns:a14="http://schemas.microsoft.com/office/drawing/2010/main" val="0"/>
               </a:ext>
             </a:extLst>
           </a:blip>
@@ -8952,14 +8952,14 @@
           </a:ln>
           <a:extLst>
             <a:ext uri="{909E8E84-426E-40DD-AFC4-6F175D3DCCD1}">
-              <a14:hiddenFill xmlns="" xmlns:a14="http://schemas.microsoft.com/office/drawing/2010/main">
+              <a14:hiddenFill xmlns:a14="http://schemas.microsoft.com/office/drawing/2010/main">
                 <a:solidFill>
                   <a:schemeClr val="accent1"/>
                 </a:solidFill>
               </a14:hiddenFill>
             </a:ext>
             <a:ext uri="{91240B29-F687-4F45-9708-019B960494DF}">
-              <a14:hiddenLine xmlns="" xmlns:a14="http://schemas.microsoft.com/office/drawing/2010/main" w="9525">
+              <a14:hiddenLine xmlns:a14="http://schemas.microsoft.com/office/drawing/2010/main" w="9525">
                 <a:solidFill>
                   <a:schemeClr val="tx1"/>
                 </a:solidFill>
@@ -8969,7 +8969,7 @@
               </a14:hiddenLine>
             </a:ext>
             <a:ext uri="{AF507438-7753-43E0-B8FC-AC1667EBCBE1}">
-              <a14:hiddenEffects xmlns="" xmlns:a14="http://schemas.microsoft.com/office/drawing/2010/main">
+              <a14:hiddenEffects xmlns:a14="http://schemas.microsoft.com/office/drawing/2010/main">
                 <a:effectLst>
                   <a:outerShdw dist="35921" dir="2700000" algn="ctr" rotWithShape="0">
                     <a:schemeClr val="bg2"/>
@@ -9165,7 +9165,7 @@
             <a:fld id="{C1675C04-B1D7-4314-A174-D1660FB6FF37}" type="datetimeFigureOut">
               <a:rPr lang="pt-BR" smtClean="0"/>
               <a:pPr/>
-              <a:t>21/01/2012</a:t>
+              <a:t>10/02/2012</a:t>
             </a:fld>
             <a:endParaRPr lang="pt-BR"/>
           </a:p>
@@ -9217,7 +9217,7 @@
     </p:spTree>
     <p:extLst>
       <p:ext uri="{BB962C8B-B14F-4D97-AF65-F5344CB8AC3E}">
-        <p14:creationId xmlns="" xmlns:p14="http://schemas.microsoft.com/office/powerpoint/2010/main" val="1140807732"/>
+        <p14:creationId xmlns:p14="http://schemas.microsoft.com/office/powerpoint/2010/main" val="1140807732"/>
       </p:ext>
     </p:extLst>
   </p:cSld>
@@ -9423,7 +9423,7 @@
             <a:fld id="{C1675C04-B1D7-4314-A174-D1660FB6FF37}" type="datetimeFigureOut">
               <a:rPr lang="pt-BR" smtClean="0"/>
               <a:pPr/>
-              <a:t>21/01/2012</a:t>
+              <a:t>10/02/2012</a:t>
             </a:fld>
             <a:endParaRPr lang="pt-BR"/>
           </a:p>
@@ -9475,7 +9475,7 @@
     </p:spTree>
     <p:extLst>
       <p:ext uri="{BB962C8B-B14F-4D97-AF65-F5344CB8AC3E}">
-        <p14:creationId xmlns="" xmlns:p14="http://schemas.microsoft.com/office/powerpoint/2010/main" val="3735907881"/>
+        <p14:creationId xmlns:p14="http://schemas.microsoft.com/office/powerpoint/2010/main" val="3735907881"/>
       </p:ext>
     </p:extLst>
   </p:cSld>
@@ -9769,7 +9769,7 @@
             <a:fld id="{C1675C04-B1D7-4314-A174-D1660FB6FF37}" type="datetimeFigureOut">
               <a:rPr lang="pt-BR" smtClean="0"/>
               <a:pPr/>
-              <a:t>21/01/2012</a:t>
+              <a:t>10/02/2012</a:t>
             </a:fld>
             <a:endParaRPr lang="pt-BR"/>
           </a:p>
@@ -9821,7 +9821,7 @@
     </p:spTree>
     <p:extLst>
       <p:ext uri="{BB962C8B-B14F-4D97-AF65-F5344CB8AC3E}">
-        <p14:creationId xmlns="" xmlns:p14="http://schemas.microsoft.com/office/powerpoint/2010/main" val="2820318444"/>
+        <p14:creationId xmlns:p14="http://schemas.microsoft.com/office/powerpoint/2010/main" val="2820318444"/>
       </p:ext>
     </p:extLst>
   </p:cSld>
@@ -10253,7 +10253,7 @@
             <a:fld id="{C1675C04-B1D7-4314-A174-D1660FB6FF37}" type="datetimeFigureOut">
               <a:rPr lang="pt-BR" smtClean="0"/>
               <a:pPr/>
-              <a:t>21/01/2012</a:t>
+              <a:t>10/02/2012</a:t>
             </a:fld>
             <a:endParaRPr lang="pt-BR"/>
           </a:p>
@@ -10305,7 +10305,7 @@
     </p:spTree>
     <p:extLst>
       <p:ext uri="{BB962C8B-B14F-4D97-AF65-F5344CB8AC3E}">
-        <p14:creationId xmlns="" xmlns:p14="http://schemas.microsoft.com/office/powerpoint/2010/main" val="566552069"/>
+        <p14:creationId xmlns:p14="http://schemas.microsoft.com/office/powerpoint/2010/main" val="566552069"/>
       </p:ext>
     </p:extLst>
   </p:cSld>
@@ -10389,7 +10389,7 @@
             <a:fld id="{C1675C04-B1D7-4314-A174-D1660FB6FF37}" type="datetimeFigureOut">
               <a:rPr lang="pt-BR" smtClean="0"/>
               <a:pPr/>
-              <a:t>21/01/2012</a:t>
+              <a:t>10/02/2012</a:t>
             </a:fld>
             <a:endParaRPr lang="pt-BR"/>
           </a:p>
@@ -10441,7 +10441,7 @@
     </p:spTree>
     <p:extLst>
       <p:ext uri="{BB962C8B-B14F-4D97-AF65-F5344CB8AC3E}">
-        <p14:creationId xmlns="" xmlns:p14="http://schemas.microsoft.com/office/powerpoint/2010/main" val="1358390184"/>
+        <p14:creationId xmlns:p14="http://schemas.microsoft.com/office/powerpoint/2010/main" val="1358390184"/>
       </p:ext>
     </p:extLst>
   </p:cSld>
@@ -10494,7 +10494,7 @@
             <a:fld id="{C1675C04-B1D7-4314-A174-D1660FB6FF37}" type="datetimeFigureOut">
               <a:rPr lang="pt-BR" smtClean="0"/>
               <a:pPr/>
-              <a:t>21/01/2012</a:t>
+              <a:t>10/02/2012</a:t>
             </a:fld>
             <a:endParaRPr lang="pt-BR"/>
           </a:p>
@@ -10546,7 +10546,7 @@
     </p:spTree>
     <p:extLst>
       <p:ext uri="{BB962C8B-B14F-4D97-AF65-F5344CB8AC3E}">
-        <p14:creationId xmlns="" xmlns:p14="http://schemas.microsoft.com/office/powerpoint/2010/main" val="3705262111"/>
+        <p14:creationId xmlns:p14="http://schemas.microsoft.com/office/powerpoint/2010/main" val="3705262111"/>
       </p:ext>
     </p:extLst>
   </p:cSld>
@@ -10809,7 +10809,7 @@
             <a:fld id="{C1675C04-B1D7-4314-A174-D1660FB6FF37}" type="datetimeFigureOut">
               <a:rPr lang="pt-BR" smtClean="0"/>
               <a:pPr/>
-              <a:t>21/01/2012</a:t>
+              <a:t>10/02/2012</a:t>
             </a:fld>
             <a:endParaRPr lang="pt-BR"/>
           </a:p>
@@ -10861,7 +10861,7 @@
     </p:spTree>
     <p:extLst>
       <p:ext uri="{BB962C8B-B14F-4D97-AF65-F5344CB8AC3E}">
-        <p14:creationId xmlns="" xmlns:p14="http://schemas.microsoft.com/office/powerpoint/2010/main" val="2189634051"/>
+        <p14:creationId xmlns:p14="http://schemas.microsoft.com/office/powerpoint/2010/main" val="2189634051"/>
       </p:ext>
     </p:extLst>
   </p:cSld>
@@ -11084,7 +11084,7 @@
             <a:fld id="{C1675C04-B1D7-4314-A174-D1660FB6FF37}" type="datetimeFigureOut">
               <a:rPr lang="pt-BR" smtClean="0"/>
               <a:pPr/>
-              <a:t>21/01/2012</a:t>
+              <a:t>10/02/2012</a:t>
             </a:fld>
             <a:endParaRPr lang="pt-BR"/>
           </a:p>
@@ -11136,7 +11136,7 @@
     </p:spTree>
     <p:extLst>
       <p:ext uri="{BB962C8B-B14F-4D97-AF65-F5344CB8AC3E}">
-        <p14:creationId xmlns="" xmlns:p14="http://schemas.microsoft.com/office/powerpoint/2010/main" val="3848481695"/>
+        <p14:creationId xmlns:p14="http://schemas.microsoft.com/office/powerpoint/2010/main" val="3848481695"/>
       </p:ext>
     </p:extLst>
   </p:cSld>
@@ -11300,7 +11300,7 @@
             <a:fld id="{C1675C04-B1D7-4314-A174-D1660FB6FF37}" type="datetimeFigureOut">
               <a:rPr lang="pt-BR" smtClean="0"/>
               <a:pPr/>
-              <a:t>21/01/2012</a:t>
+              <a:t>10/02/2012</a:t>
             </a:fld>
             <a:endParaRPr lang="pt-BR"/>
           </a:p>
@@ -11414,7 +11414,7 @@
     </p:spTree>
     <p:extLst>
       <p:ext uri="{BB962C8B-B14F-4D97-AF65-F5344CB8AC3E}">
-        <p14:creationId xmlns="" xmlns:p14="http://schemas.microsoft.com/office/powerpoint/2010/main" val="2257276274"/>
+        <p14:creationId xmlns:p14="http://schemas.microsoft.com/office/powerpoint/2010/main" val="2257276274"/>
       </p:ext>
     </p:extLst>
   </p:cSld>
@@ -11723,7 +11723,7 @@
           <a:blip r:embed="rId3" cstate="print">
             <a:extLst>
               <a:ext uri="{28A0092B-C50C-407E-A947-70E740481C1C}">
-                <a14:useLocalDpi xmlns="" xmlns:a14="http://schemas.microsoft.com/office/drawing/2010/main" val="0"/>
+                <a14:useLocalDpi xmlns:a14="http://schemas.microsoft.com/office/drawing/2010/main" val="0"/>
               </a:ext>
             </a:extLst>
           </a:blip>
@@ -11747,14 +11747,14 @@
           <a:effectLst/>
           <a:extLst>
             <a:ext uri="{909E8E84-426E-40DD-AFC4-6F175D3DCCD1}">
-              <a14:hiddenFill xmlns="" xmlns:a14="http://schemas.microsoft.com/office/drawing/2010/main">
+              <a14:hiddenFill xmlns:a14="http://schemas.microsoft.com/office/drawing/2010/main">
                 <a:solidFill>
                   <a:schemeClr val="accent1"/>
                 </a:solidFill>
               </a14:hiddenFill>
             </a:ext>
             <a:ext uri="{91240B29-F687-4F45-9708-019B960494DF}">
-              <a14:hiddenLine xmlns="" xmlns:a14="http://schemas.microsoft.com/office/drawing/2010/main" w="9525">
+              <a14:hiddenLine xmlns:a14="http://schemas.microsoft.com/office/drawing/2010/main" w="9525">
                 <a:solidFill>
                   <a:schemeClr val="tx1"/>
                 </a:solidFill>
@@ -11764,7 +11764,7 @@
               </a14:hiddenLine>
             </a:ext>
             <a:ext uri="{AF507438-7753-43E0-B8FC-AC1667EBCBE1}">
-              <a14:hiddenEffects xmlns="" xmlns:a14="http://schemas.microsoft.com/office/drawing/2010/main">
+              <a14:hiddenEffects xmlns:a14="http://schemas.microsoft.com/office/drawing/2010/main">
                 <a:effectLst>
                   <a:outerShdw dist="35921" dir="2700000" algn="ctr" rotWithShape="0">
                     <a:schemeClr val="bg2"/>
@@ -11845,7 +11845,7 @@
     </p:spTree>
     <p:extLst>
       <p:ext uri="{BB962C8B-B14F-4D97-AF65-F5344CB8AC3E}">
-        <p14:creationId xmlns="" xmlns:p14="http://schemas.microsoft.com/office/powerpoint/2010/main" val="164985714"/>
+        <p14:creationId xmlns:p14="http://schemas.microsoft.com/office/powerpoint/2010/main" val="164985714"/>
       </p:ext>
     </p:extLst>
   </p:cSld>
@@ -12102,7 +12102,7 @@
     </p:spTree>
     <p:extLst>
       <p:ext uri="{BB962C8B-B14F-4D97-AF65-F5344CB8AC3E}">
-        <p14:creationId xmlns="" xmlns:p14="http://schemas.microsoft.com/office/powerpoint/2010/main" val="2987798575"/>
+        <p14:creationId xmlns:p14="http://schemas.microsoft.com/office/powerpoint/2010/main" val="2987798575"/>
       </p:ext>
     </p:extLst>
   </p:cSld>
@@ -12189,14 +12189,14 @@
           <a:effectLst/>
           <a:extLst>
             <a:ext uri="{909E8E84-426E-40DD-AFC4-6F175D3DCCD1}">
-              <a14:hiddenFill xmlns="" xmlns:a14="http://schemas.microsoft.com/office/drawing/2010/main">
+              <a14:hiddenFill xmlns:a14="http://schemas.microsoft.com/office/drawing/2010/main">
                 <a:solidFill>
                   <a:schemeClr val="accent1"/>
                 </a:solidFill>
               </a14:hiddenFill>
             </a:ext>
             <a:ext uri="{AF507438-7753-43E0-B8FC-AC1667EBCBE1}">
-              <a14:hiddenEffects xmlns="" xmlns:a14="http://schemas.microsoft.com/office/drawing/2010/main">
+              <a14:hiddenEffects xmlns:a14="http://schemas.microsoft.com/office/drawing/2010/main">
                 <a:effectLst>
                   <a:outerShdw dist="35921" dir="2700000" algn="ctr" rotWithShape="0">
                     <a:schemeClr val="bg2"/>
@@ -12699,14 +12699,14 @@
           <a:effectLst/>
           <a:extLst>
             <a:ext uri="{909E8E84-426E-40DD-AFC4-6F175D3DCCD1}">
-              <a14:hiddenFill xmlns="" xmlns:a14="http://schemas.microsoft.com/office/drawing/2010/main">
+              <a14:hiddenFill xmlns:a14="http://schemas.microsoft.com/office/drawing/2010/main">
                 <a:solidFill>
                   <a:schemeClr val="accent1"/>
                 </a:solidFill>
               </a14:hiddenFill>
             </a:ext>
             <a:ext uri="{AF507438-7753-43E0-B8FC-AC1667EBCBE1}">
-              <a14:hiddenEffects xmlns="" xmlns:a14="http://schemas.microsoft.com/office/drawing/2010/main">
+              <a14:hiddenEffects xmlns:a14="http://schemas.microsoft.com/office/drawing/2010/main">
                 <a:effectLst>
                   <a:outerShdw dist="35921" dir="2700000" algn="ctr" rotWithShape="0">
                     <a:schemeClr val="bg2"/>
@@ -12791,14 +12791,14 @@
           <a:effectLst/>
           <a:extLst>
             <a:ext uri="{909E8E84-426E-40DD-AFC4-6F175D3DCCD1}">
-              <a14:hiddenFill xmlns="" xmlns:a14="http://schemas.microsoft.com/office/drawing/2010/main">
+              <a14:hiddenFill xmlns:a14="http://schemas.microsoft.com/office/drawing/2010/main">
                 <a:solidFill>
                   <a:schemeClr val="accent1"/>
                 </a:solidFill>
               </a14:hiddenFill>
             </a:ext>
             <a:ext uri="{AF507438-7753-43E0-B8FC-AC1667EBCBE1}">
-              <a14:hiddenEffects xmlns="" xmlns:a14="http://schemas.microsoft.com/office/drawing/2010/main">
+              <a14:hiddenEffects xmlns:a14="http://schemas.microsoft.com/office/drawing/2010/main">
                 <a:effectLst>
                   <a:outerShdw dist="35921" dir="2700000" algn="ctr" rotWithShape="0">
                     <a:schemeClr val="bg2"/>
@@ -12845,14 +12845,14 @@
           <a:effectLst/>
           <a:extLst>
             <a:ext uri="{909E8E84-426E-40DD-AFC4-6F175D3DCCD1}">
-              <a14:hiddenFill xmlns="" xmlns:a14="http://schemas.microsoft.com/office/drawing/2010/main">
+              <a14:hiddenFill xmlns:a14="http://schemas.microsoft.com/office/drawing/2010/main">
                 <a:solidFill>
                   <a:schemeClr val="accent1"/>
                 </a:solidFill>
               </a14:hiddenFill>
             </a:ext>
             <a:ext uri="{AF507438-7753-43E0-B8FC-AC1667EBCBE1}">
-              <a14:hiddenEffects xmlns="" xmlns:a14="http://schemas.microsoft.com/office/drawing/2010/main">
+              <a14:hiddenEffects xmlns:a14="http://schemas.microsoft.com/office/drawing/2010/main">
                 <a:effectLst>
                   <a:outerShdw dist="35921" dir="2700000" algn="ctr" rotWithShape="0">
                     <a:schemeClr val="bg2"/>
@@ -12961,7 +12961,7 @@
     </p:spTree>
     <p:extLst>
       <p:ext uri="{BB962C8B-B14F-4D97-AF65-F5344CB8AC3E}">
-        <p14:creationId xmlns="" xmlns:p14="http://schemas.microsoft.com/office/powerpoint/2010/main" val="1641023093"/>
+        <p14:creationId xmlns:p14="http://schemas.microsoft.com/office/powerpoint/2010/main" val="1641023093"/>
       </p:ext>
     </p:extLst>
   </p:cSld>
@@ -13533,7 +13533,7 @@
     </p:spTree>
     <p:extLst>
       <p:ext uri="{BB962C8B-B14F-4D97-AF65-F5344CB8AC3E}">
-        <p14:creationId xmlns="" xmlns:p14="http://schemas.microsoft.com/office/powerpoint/2010/main" val="56582340"/>
+        <p14:creationId xmlns:p14="http://schemas.microsoft.com/office/powerpoint/2010/main" val="56582340"/>
       </p:ext>
     </p:extLst>
   </p:cSld>
@@ -13681,7 +13681,7 @@
     </p:spTree>
     <p:extLst>
       <p:ext uri="{BB962C8B-B14F-4D97-AF65-F5344CB8AC3E}">
-        <p14:creationId xmlns="" xmlns:p14="http://schemas.microsoft.com/office/powerpoint/2010/main" val="1347752299"/>
+        <p14:creationId xmlns:p14="http://schemas.microsoft.com/office/powerpoint/2010/main" val="1347752299"/>
       </p:ext>
     </p:extLst>
   </p:cSld>
@@ -13900,7 +13900,7 @@
     </p:spTree>
     <p:extLst>
       <p:ext uri="{BB962C8B-B14F-4D97-AF65-F5344CB8AC3E}">
-        <p14:creationId xmlns="" xmlns:p14="http://schemas.microsoft.com/office/powerpoint/2010/main" val="2618482790"/>
+        <p14:creationId xmlns:p14="http://schemas.microsoft.com/office/powerpoint/2010/main" val="2618482790"/>
       </p:ext>
     </p:extLst>
   </p:cSld>
@@ -14305,7 +14305,7 @@
     </p:spTree>
     <p:extLst>
       <p:ext uri="{BB962C8B-B14F-4D97-AF65-F5344CB8AC3E}">
-        <p14:creationId xmlns="" xmlns:p14="http://schemas.microsoft.com/office/powerpoint/2010/main" val="434275321"/>
+        <p14:creationId xmlns:p14="http://schemas.microsoft.com/office/powerpoint/2010/main" val="434275321"/>
       </p:ext>
     </p:extLst>
   </p:cSld>
@@ -15932,7 +15932,7 @@
     </p:spTree>
     <p:extLst>
       <p:ext uri="{BB962C8B-B14F-4D97-AF65-F5344CB8AC3E}">
-        <p14:creationId xmlns="" xmlns:p14="http://schemas.microsoft.com/office/powerpoint/2010/main" val="3346664765"/>
+        <p14:creationId xmlns:p14="http://schemas.microsoft.com/office/powerpoint/2010/main" val="3346664765"/>
       </p:ext>
     </p:extLst>
   </p:cSld>
@@ -16197,7 +16197,7 @@
     </p:spTree>
     <p:extLst>
       <p:ext uri="{BB962C8B-B14F-4D97-AF65-F5344CB8AC3E}">
-        <p14:creationId xmlns="" xmlns:p14="http://schemas.microsoft.com/office/powerpoint/2010/main" val="884998020"/>
+        <p14:creationId xmlns:p14="http://schemas.microsoft.com/office/powerpoint/2010/main" val="884998020"/>
       </p:ext>
     </p:extLst>
   </p:cSld>
@@ -16334,7 +16334,7 @@
     </p:spTree>
     <p:extLst>
       <p:ext uri="{BB962C8B-B14F-4D97-AF65-F5344CB8AC3E}">
-        <p14:creationId xmlns="" xmlns:p14="http://schemas.microsoft.com/office/powerpoint/2010/main" val="1766812631"/>
+        <p14:creationId xmlns:p14="http://schemas.microsoft.com/office/powerpoint/2010/main" val="1766812631"/>
       </p:ext>
     </p:extLst>
   </p:cSld>
@@ -16446,7 +16446,7 @@
     </p:spTree>
     <p:extLst>
       <p:ext uri="{BB962C8B-B14F-4D97-AF65-F5344CB8AC3E}">
-        <p14:creationId xmlns="" xmlns:p14="http://schemas.microsoft.com/office/powerpoint/2010/main" val="3215962246"/>
+        <p14:creationId xmlns:p14="http://schemas.microsoft.com/office/powerpoint/2010/main" val="3215962246"/>
       </p:ext>
     </p:extLst>
   </p:cSld>
@@ -16544,7 +16544,7 @@
     </p:spTree>
     <p:extLst>
       <p:ext uri="{BB962C8B-B14F-4D97-AF65-F5344CB8AC3E}">
-        <p14:creationId xmlns="" xmlns:p14="http://schemas.microsoft.com/office/powerpoint/2010/main" val="774664047"/>
+        <p14:creationId xmlns:p14="http://schemas.microsoft.com/office/powerpoint/2010/main" val="774664047"/>
       </p:ext>
     </p:extLst>
   </p:cSld>
@@ -16638,7 +16638,7 @@
     </p:spTree>
     <p:extLst>
       <p:ext uri="{BB962C8B-B14F-4D97-AF65-F5344CB8AC3E}">
-        <p14:creationId xmlns="" xmlns:p14="http://schemas.microsoft.com/office/powerpoint/2010/main" val="3628710526"/>
+        <p14:creationId xmlns:p14="http://schemas.microsoft.com/office/powerpoint/2010/main" val="3628710526"/>
       </p:ext>
     </p:extLst>
   </p:cSld>
@@ -16828,7 +16828,7 @@
     </p:spTree>
     <p:extLst>
       <p:ext uri="{BB962C8B-B14F-4D97-AF65-F5344CB8AC3E}">
-        <p14:creationId xmlns="" xmlns:p14="http://schemas.microsoft.com/office/powerpoint/2010/main" val="1755838903"/>
+        <p14:creationId xmlns:p14="http://schemas.microsoft.com/office/powerpoint/2010/main" val="1755838903"/>
       </p:ext>
     </p:extLst>
   </p:cSld>
@@ -16999,7 +16999,7 @@
           <a:blip r:embed="rId2" cstate="print">
             <a:extLst>
               <a:ext uri="{28A0092B-C50C-407E-A947-70E740481C1C}">
-                <a14:useLocalDpi xmlns="" xmlns:a14="http://schemas.microsoft.com/office/drawing/2010/main" val="0"/>
+                <a14:useLocalDpi xmlns:a14="http://schemas.microsoft.com/office/drawing/2010/main" val="0"/>
               </a:ext>
             </a:extLst>
           </a:blip>
@@ -17023,14 +17023,14 @@
           <a:effectLst/>
           <a:extLst>
             <a:ext uri="{909E8E84-426E-40DD-AFC4-6F175D3DCCD1}">
-              <a14:hiddenFill xmlns="" xmlns:a14="http://schemas.microsoft.com/office/drawing/2010/main">
+              <a14:hiddenFill xmlns:a14="http://schemas.microsoft.com/office/drawing/2010/main">
                 <a:solidFill>
                   <a:schemeClr val="accent1"/>
                 </a:solidFill>
               </a14:hiddenFill>
             </a:ext>
             <a:ext uri="{91240B29-F687-4F45-9708-019B960494DF}">
-              <a14:hiddenLine xmlns="" xmlns:a14="http://schemas.microsoft.com/office/drawing/2010/main" w="9525">
+              <a14:hiddenLine xmlns:a14="http://schemas.microsoft.com/office/drawing/2010/main" w="9525">
                 <a:solidFill>
                   <a:schemeClr val="tx1"/>
                 </a:solidFill>
@@ -17040,7 +17040,7 @@
               </a14:hiddenLine>
             </a:ext>
             <a:ext uri="{AF507438-7753-43E0-B8FC-AC1667EBCBE1}">
-              <a14:hiddenEffects xmlns="" xmlns:a14="http://schemas.microsoft.com/office/drawing/2010/main">
+              <a14:hiddenEffects xmlns:a14="http://schemas.microsoft.com/office/drawing/2010/main">
                 <a:effectLst>
                   <a:outerShdw dist="35921" dir="2700000" algn="ctr" rotWithShape="0">
                     <a:schemeClr val="bg2"/>
@@ -17079,12 +17079,12 @@
           <a:effectLst/>
           <a:extLst>
             <a:ext uri="{909E8E84-426E-40DD-AFC4-6F175D3DCCD1}">
-              <a14:hiddenFill xmlns="" xmlns:a14="http://schemas.microsoft.com/office/drawing/2010/main">
+              <a14:hiddenFill xmlns:a14="http://schemas.microsoft.com/office/drawing/2010/main">
                 <a:noFill/>
               </a14:hiddenFill>
             </a:ext>
             <a:ext uri="{AF507438-7753-43E0-B8FC-AC1667EBCBE1}">
-              <a14:hiddenEffects xmlns="" xmlns:a14="http://schemas.microsoft.com/office/drawing/2010/main">
+              <a14:hiddenEffects xmlns:a14="http://schemas.microsoft.com/office/drawing/2010/main">
                 <a:effectLst>
                   <a:outerShdw dist="35921" dir="2700000" algn="ctr" rotWithShape="0">
                     <a:schemeClr val="bg2"/>
@@ -17130,12 +17130,12 @@
           <a:effectLst/>
           <a:extLst>
             <a:ext uri="{909E8E84-426E-40DD-AFC4-6F175D3DCCD1}">
-              <a14:hiddenFill xmlns="" xmlns:a14="http://schemas.microsoft.com/office/drawing/2010/main">
+              <a14:hiddenFill xmlns:a14="http://schemas.microsoft.com/office/drawing/2010/main">
                 <a:noFill/>
               </a14:hiddenFill>
             </a:ext>
             <a:ext uri="{AF507438-7753-43E0-B8FC-AC1667EBCBE1}">
-              <a14:hiddenEffects xmlns="" xmlns:a14="http://schemas.microsoft.com/office/drawing/2010/main">
+              <a14:hiddenEffects xmlns:a14="http://schemas.microsoft.com/office/drawing/2010/main">
                 <a:effectLst>
                   <a:outerShdw dist="35921" dir="2700000" algn="ctr" rotWithShape="0">
                     <a:schemeClr val="bg2"/>
@@ -17176,14 +17176,14 @@
           <a:effectLst/>
           <a:extLst>
             <a:ext uri="{909E8E84-426E-40DD-AFC4-6F175D3DCCD1}">
-              <a14:hiddenFill xmlns="" xmlns:a14="http://schemas.microsoft.com/office/drawing/2010/main">
+              <a14:hiddenFill xmlns:a14="http://schemas.microsoft.com/office/drawing/2010/main">
                 <a:solidFill>
                   <a:schemeClr val="accent1"/>
                 </a:solidFill>
               </a14:hiddenFill>
             </a:ext>
             <a:ext uri="{91240B29-F687-4F45-9708-019B960494DF}">
-              <a14:hiddenLine xmlns="" xmlns:a14="http://schemas.microsoft.com/office/drawing/2010/main" w="9525">
+              <a14:hiddenLine xmlns:a14="http://schemas.microsoft.com/office/drawing/2010/main" w="9525">
                 <a:solidFill>
                   <a:schemeClr val="tx1"/>
                 </a:solidFill>
@@ -17193,7 +17193,7 @@
               </a14:hiddenLine>
             </a:ext>
             <a:ext uri="{AF507438-7753-43E0-B8FC-AC1667EBCBE1}">
-              <a14:hiddenEffects xmlns="" xmlns:a14="http://schemas.microsoft.com/office/drawing/2010/main">
+              <a14:hiddenEffects xmlns:a14="http://schemas.microsoft.com/office/drawing/2010/main">
                 <a:effectLst>
                   <a:outerShdw dist="35921" dir="2700000" algn="ctr" rotWithShape="0">
                     <a:schemeClr val="bg2"/>
@@ -17242,14 +17242,14 @@
           <a:effectLst/>
           <a:extLst>
             <a:ext uri="{909E8E84-426E-40DD-AFC4-6F175D3DCCD1}">
-              <a14:hiddenFill xmlns="" xmlns:a14="http://schemas.microsoft.com/office/drawing/2010/main">
+              <a14:hiddenFill xmlns:a14="http://schemas.microsoft.com/office/drawing/2010/main">
                 <a:solidFill>
                   <a:schemeClr val="accent1"/>
                 </a:solidFill>
               </a14:hiddenFill>
             </a:ext>
             <a:ext uri="{91240B29-F687-4F45-9708-019B960494DF}">
-              <a14:hiddenLine xmlns="" xmlns:a14="http://schemas.microsoft.com/office/drawing/2010/main" w="9525">
+              <a14:hiddenLine xmlns:a14="http://schemas.microsoft.com/office/drawing/2010/main" w="9525">
                 <a:solidFill>
                   <a:schemeClr val="tx1"/>
                 </a:solidFill>
@@ -17259,7 +17259,7 @@
               </a14:hiddenLine>
             </a:ext>
             <a:ext uri="{AF507438-7753-43E0-B8FC-AC1667EBCBE1}">
-              <a14:hiddenEffects xmlns="" xmlns:a14="http://schemas.microsoft.com/office/drawing/2010/main">
+              <a14:hiddenEffects xmlns:a14="http://schemas.microsoft.com/office/drawing/2010/main">
                 <a:effectLst>
                   <a:outerShdw dist="35921" dir="2700000" algn="ctr" rotWithShape="0">
                     <a:schemeClr val="bg2"/>
@@ -17288,7 +17288,7 @@
     </p:spTree>
     <p:extLst>
       <p:ext uri="{BB962C8B-B14F-4D97-AF65-F5344CB8AC3E}">
-        <p14:creationId xmlns="" xmlns:p14="http://schemas.microsoft.com/office/powerpoint/2010/main" val="2196707012"/>
+        <p14:creationId xmlns:p14="http://schemas.microsoft.com/office/powerpoint/2010/main" val="2196707012"/>
       </p:ext>
     </p:extLst>
   </p:cSld>
@@ -17377,7 +17377,7 @@
           <p:nvPr>
             <p:extLst>
               <p:ext uri="{D42A27DB-BD31-4B8C-83A1-F6EECF244321}">
-                <p14:modId xmlns="" xmlns:p14="http://schemas.microsoft.com/office/powerpoint/2010/main" val="38597061"/>
+                <p14:modId xmlns:p14="http://schemas.microsoft.com/office/powerpoint/2010/main" val="38597061"/>
               </p:ext>
             </p:extLst>
           </p:nvPr>
@@ -17395,7 +17395,7 @@
     </p:spTree>
     <p:extLst>
       <p:ext uri="{BB962C8B-B14F-4D97-AF65-F5344CB8AC3E}">
-        <p14:creationId xmlns="" xmlns:p14="http://schemas.microsoft.com/office/powerpoint/2010/main" val="2003673562"/>
+        <p14:creationId xmlns:p14="http://schemas.microsoft.com/office/powerpoint/2010/main" val="2003673562"/>
       </p:ext>
     </p:extLst>
   </p:cSld>
@@ -17508,14 +17508,14 @@
           <a:effectLst/>
           <a:extLst>
             <a:ext uri="{909E8E84-426E-40DD-AFC4-6F175D3DCCD1}">
-              <a14:hiddenFill xmlns="" xmlns:a14="http://schemas.microsoft.com/office/drawing/2010/main">
+              <a14:hiddenFill xmlns:a14="http://schemas.microsoft.com/office/drawing/2010/main">
                 <a:solidFill>
                   <a:schemeClr val="accent1"/>
                 </a:solidFill>
               </a14:hiddenFill>
             </a:ext>
             <a:ext uri="{AF507438-7753-43E0-B8FC-AC1667EBCBE1}">
-              <a14:hiddenEffects xmlns="" xmlns:a14="http://schemas.microsoft.com/office/drawing/2010/main">
+              <a14:hiddenEffects xmlns:a14="http://schemas.microsoft.com/office/drawing/2010/main">
                 <a:effectLst>
                   <a:outerShdw dist="35921" dir="2700000" algn="ctr" rotWithShape="0">
                     <a:schemeClr val="bg2"/>
@@ -17671,12 +17671,12 @@
           <a:effectLst/>
           <a:extLst>
             <a:ext uri="{909E8E84-426E-40DD-AFC4-6F175D3DCCD1}">
-              <a14:hiddenFill xmlns="" xmlns:a14="http://schemas.microsoft.com/office/drawing/2010/main">
+              <a14:hiddenFill xmlns:a14="http://schemas.microsoft.com/office/drawing/2010/main">
                 <a:noFill/>
               </a14:hiddenFill>
             </a:ext>
             <a:ext uri="{AF507438-7753-43E0-B8FC-AC1667EBCBE1}">
-              <a14:hiddenEffects xmlns="" xmlns:a14="http://schemas.microsoft.com/office/drawing/2010/main">
+              <a14:hiddenEffects xmlns:a14="http://schemas.microsoft.com/office/drawing/2010/main">
                 <a:effectLst>
                   <a:outerShdw dist="35921" dir="2700000" algn="ctr" rotWithShape="0">
                     <a:schemeClr val="bg2"/>
@@ -17722,14 +17722,14 @@
           <a:effectLst/>
           <a:extLst>
             <a:ext uri="{909E8E84-426E-40DD-AFC4-6F175D3DCCD1}">
-              <a14:hiddenFill xmlns="" xmlns:a14="http://schemas.microsoft.com/office/drawing/2010/main">
+              <a14:hiddenFill xmlns:a14="http://schemas.microsoft.com/office/drawing/2010/main">
                 <a:solidFill>
                   <a:schemeClr val="accent1"/>
                 </a:solidFill>
               </a14:hiddenFill>
             </a:ext>
             <a:ext uri="{AF507438-7753-43E0-B8FC-AC1667EBCBE1}">
-              <a14:hiddenEffects xmlns="" xmlns:a14="http://schemas.microsoft.com/office/drawing/2010/main">
+              <a14:hiddenEffects xmlns:a14="http://schemas.microsoft.com/office/drawing/2010/main">
                 <a:effectLst>
                   <a:outerShdw dist="35921" dir="2700000" algn="ctr" rotWithShape="0">
                     <a:schemeClr val="bg2"/>
@@ -17843,7 +17843,7 @@
           <p:nvPr>
             <p:extLst>
               <p:ext uri="{D42A27DB-BD31-4B8C-83A1-F6EECF244321}">
-                <p14:modId xmlns="" xmlns:p14="http://schemas.microsoft.com/office/powerpoint/2010/main" val="2979581575"/>
+                <p14:modId xmlns:p14="http://schemas.microsoft.com/office/powerpoint/2010/main" val="2979581575"/>
               </p:ext>
             </p:extLst>
           </p:nvPr>
@@ -17861,7 +17861,7 @@
     </p:spTree>
     <p:extLst>
       <p:ext uri="{BB962C8B-B14F-4D97-AF65-F5344CB8AC3E}">
-        <p14:creationId xmlns="" xmlns:p14="http://schemas.microsoft.com/office/powerpoint/2010/main" val="1001769907"/>
+        <p14:creationId xmlns:p14="http://schemas.microsoft.com/office/powerpoint/2010/main" val="1001769907"/>
       </p:ext>
     </p:extLst>
   </p:cSld>
